--- a/icon.pptx
+++ b/icon.pptx
@@ -4937,10 +4937,10 @@
       </p:pic>
       <p:sp>
         <p:nvSpPr>
-          <p:cNvPr id="16" name="グラフィックス 14">
-            <a:extLst>
-              <a:ext uri="{FF2B5EF4-FFF2-40B4-BE49-F238E27FC236}">
-                <a16:creationId xmlns:a16="http://schemas.microsoft.com/office/drawing/2014/main" id="{93E8FE34-EF6F-9AE1-6B61-AE9C6D0AE032}"/>
+          <p:cNvPr id="15" name="フリーフォーム: 図形 14">
+            <a:extLst>
+              <a:ext uri="{FF2B5EF4-FFF2-40B4-BE49-F238E27FC236}">
+                <a16:creationId xmlns:a16="http://schemas.microsoft.com/office/drawing/2014/main" id="{ACC28253-D6B0-A90F-875A-C1355F37F11B}"/>
               </a:ext>
             </a:extLst>
           </p:cNvPr>
@@ -4949,254 +4949,84 @@
         </p:nvSpPr>
         <p:spPr>
           <a:xfrm>
-            <a:off x="8194208" y="3907264"/>
-            <a:ext cx="2296898" cy="699998"/>
+            <a:off x="6990059" y="4010771"/>
+            <a:ext cx="493094" cy="500830"/>
           </a:xfrm>
           <a:custGeom>
             <a:avLst/>
             <a:gdLst>
-              <a:gd name="connsiteX0" fmla="*/ 341675 w 2296898"/>
-              <a:gd name="connsiteY0" fmla="*/ 100 h 699998"/>
-              <a:gd name="connsiteX1" fmla="*/ 209987 w 2296898"/>
-              <a:gd name="connsiteY1" fmla="*/ 25845 h 699998"/>
-              <a:gd name="connsiteX2" fmla="*/ 100884 w 2296898"/>
-              <a:gd name="connsiteY2" fmla="*/ 96474 h 699998"/>
-              <a:gd name="connsiteX3" fmla="*/ 26906 w 2296898"/>
-              <a:gd name="connsiteY3" fmla="*/ 201939 h 699998"/>
-              <a:gd name="connsiteX4" fmla="*/ 13 w 2296898"/>
-              <a:gd name="connsiteY4" fmla="*/ 332287 h 699998"/>
-              <a:gd name="connsiteX5" fmla="*/ 26906 w 2296898"/>
-              <a:gd name="connsiteY5" fmla="*/ 462157 h 699998"/>
-              <a:gd name="connsiteX6" fmla="*/ 101076 w 2296898"/>
-              <a:gd name="connsiteY6" fmla="*/ 568101 h 699998"/>
-              <a:gd name="connsiteX7" fmla="*/ 344546 w 2296898"/>
-              <a:gd name="connsiteY7" fmla="*/ 664953 h 699998"/>
-              <a:gd name="connsiteX8" fmla="*/ 439005 w 2296898"/>
-              <a:gd name="connsiteY8" fmla="*/ 652512 h 699998"/>
-              <a:gd name="connsiteX9" fmla="*/ 523990 w 2296898"/>
-              <a:gd name="connsiteY9" fmla="*/ 616719 h 699998"/>
-              <a:gd name="connsiteX10" fmla="*/ 589738 w 2296898"/>
-              <a:gd name="connsiteY10" fmla="*/ 683520 h 699998"/>
-              <a:gd name="connsiteX11" fmla="*/ 668101 w 2296898"/>
-              <a:gd name="connsiteY11" fmla="*/ 684017 h 699998"/>
-              <a:gd name="connsiteX12" fmla="*/ 668598 w 2296898"/>
-              <a:gd name="connsiteY12" fmla="*/ 683520 h 699998"/>
-              <a:gd name="connsiteX13" fmla="*/ 668598 w 2296898"/>
-              <a:gd name="connsiteY13" fmla="*/ 605330 h 699998"/>
-              <a:gd name="connsiteX14" fmla="*/ 608879 w 2296898"/>
-              <a:gd name="connsiteY14" fmla="*/ 545611 h 699998"/>
-              <a:gd name="connsiteX15" fmla="*/ 667545 w 2296898"/>
-              <a:gd name="connsiteY15" fmla="*/ 447802 h 699998"/>
-              <a:gd name="connsiteX16" fmla="*/ 689174 w 2296898"/>
-              <a:gd name="connsiteY16" fmla="*/ 332192 h 699998"/>
-              <a:gd name="connsiteX17" fmla="*/ 662186 w 2296898"/>
-              <a:gd name="connsiteY17" fmla="*/ 201843 h 699998"/>
-              <a:gd name="connsiteX18" fmla="*/ 588016 w 2296898"/>
-              <a:gd name="connsiteY18" fmla="*/ 96378 h 699998"/>
-              <a:gd name="connsiteX19" fmla="*/ 478531 w 2296898"/>
-              <a:gd name="connsiteY19" fmla="*/ 25845 h 699998"/>
-              <a:gd name="connsiteX20" fmla="*/ 344737 w 2296898"/>
-              <a:gd name="connsiteY20" fmla="*/ 5 h 699998"/>
-              <a:gd name="connsiteX21" fmla="*/ 341770 w 2296898"/>
-              <a:gd name="connsiteY21" fmla="*/ 5 h 699998"/>
-              <a:gd name="connsiteX22" fmla="*/ 1423699 w 2296898"/>
-              <a:gd name="connsiteY22" fmla="*/ 17805 h 699998"/>
-              <a:gd name="connsiteX23" fmla="*/ 1423699 w 2296898"/>
-              <a:gd name="connsiteY23" fmla="*/ 159830 h 699998"/>
-              <a:gd name="connsiteX24" fmla="*/ 1350486 w 2296898"/>
-              <a:gd name="connsiteY24" fmla="*/ 159830 h 699998"/>
-              <a:gd name="connsiteX25" fmla="*/ 1350486 w 2296898"/>
-              <a:gd name="connsiteY25" fmla="*/ 261562 h 699998"/>
-              <a:gd name="connsiteX26" fmla="*/ 1423699 w 2296898"/>
-              <a:gd name="connsiteY26" fmla="*/ 261562 h 699998"/>
-              <a:gd name="connsiteX27" fmla="*/ 1423699 w 2296898"/>
-              <a:gd name="connsiteY27" fmla="*/ 466560 h 699998"/>
-              <a:gd name="connsiteX28" fmla="*/ 1438916 w 2296898"/>
-              <a:gd name="connsiteY28" fmla="*/ 564943 h 699998"/>
-              <a:gd name="connsiteX29" fmla="*/ 1480356 w 2296898"/>
-              <a:gd name="connsiteY29" fmla="*/ 625236 h 699998"/>
-              <a:gd name="connsiteX30" fmla="*/ 1541893 w 2296898"/>
-              <a:gd name="connsiteY30" fmla="*/ 655574 h 699998"/>
-              <a:gd name="connsiteX31" fmla="*/ 1608312 w 2296898"/>
-              <a:gd name="connsiteY31" fmla="*/ 663805 h 699998"/>
-              <a:gd name="connsiteX32" fmla="*/ 1689947 w 2296898"/>
-              <a:gd name="connsiteY32" fmla="*/ 663805 h 699998"/>
-              <a:gd name="connsiteX33" fmla="*/ 1689947 w 2296898"/>
-              <a:gd name="connsiteY33" fmla="*/ 566857 h 699998"/>
-              <a:gd name="connsiteX34" fmla="*/ 1619509 w 2296898"/>
-              <a:gd name="connsiteY34" fmla="*/ 566857 h 699998"/>
-              <a:gd name="connsiteX35" fmla="*/ 1585821 w 2296898"/>
-              <a:gd name="connsiteY35" fmla="*/ 562263 h 699998"/>
-              <a:gd name="connsiteX36" fmla="*/ 1557972 w 2296898"/>
-              <a:gd name="connsiteY36" fmla="*/ 546089 h 699998"/>
-              <a:gd name="connsiteX37" fmla="*/ 1538831 w 2296898"/>
-              <a:gd name="connsiteY37" fmla="*/ 515081 h 699998"/>
-              <a:gd name="connsiteX38" fmla="*/ 1531749 w 2296898"/>
-              <a:gd name="connsiteY38" fmla="*/ 465411 h 699998"/>
-              <a:gd name="connsiteX39" fmla="*/ 1531749 w 2296898"/>
-              <a:gd name="connsiteY39" fmla="*/ 261562 h 699998"/>
-              <a:gd name="connsiteX40" fmla="*/ 1691191 w 2296898"/>
-              <a:gd name="connsiteY40" fmla="*/ 261562 h 699998"/>
-              <a:gd name="connsiteX41" fmla="*/ 1691191 w 2296898"/>
-              <a:gd name="connsiteY41" fmla="*/ 159830 h 699998"/>
-              <a:gd name="connsiteX42" fmla="*/ 1532323 w 2296898"/>
-              <a:gd name="connsiteY42" fmla="*/ 159830 h 699998"/>
-              <a:gd name="connsiteX43" fmla="*/ 1532323 w 2296898"/>
-              <a:gd name="connsiteY43" fmla="*/ 17805 h 699998"/>
-              <a:gd name="connsiteX44" fmla="*/ 899627 w 2296898"/>
-              <a:gd name="connsiteY44" fmla="*/ 49196 h 699998"/>
-              <a:gd name="connsiteX45" fmla="*/ 833591 w 2296898"/>
-              <a:gd name="connsiteY45" fmla="*/ 115232 h 699998"/>
-              <a:gd name="connsiteX46" fmla="*/ 833591 w 2296898"/>
-              <a:gd name="connsiteY46" fmla="*/ 115327 h 699998"/>
-              <a:gd name="connsiteX47" fmla="*/ 899627 w 2296898"/>
-              <a:gd name="connsiteY47" fmla="*/ 181363 h 699998"/>
-              <a:gd name="connsiteX48" fmla="*/ 965758 w 2296898"/>
-              <a:gd name="connsiteY48" fmla="*/ 115423 h 699998"/>
-              <a:gd name="connsiteX49" fmla="*/ 965758 w 2296898"/>
-              <a:gd name="connsiteY49" fmla="*/ 115327 h 699998"/>
-              <a:gd name="connsiteX50" fmla="*/ 899818 w 2296898"/>
-              <a:gd name="connsiteY50" fmla="*/ 49196 h 699998"/>
-              <a:gd name="connsiteX51" fmla="*/ 899722 w 2296898"/>
-              <a:gd name="connsiteY51" fmla="*/ 49196 h 699998"/>
-              <a:gd name="connsiteX52" fmla="*/ 1164821 w 2296898"/>
-              <a:gd name="connsiteY52" fmla="*/ 49196 h 699998"/>
-              <a:gd name="connsiteX53" fmla="*/ 1098786 w 2296898"/>
-              <a:gd name="connsiteY53" fmla="*/ 115232 h 699998"/>
-              <a:gd name="connsiteX54" fmla="*/ 1098786 w 2296898"/>
-              <a:gd name="connsiteY54" fmla="*/ 115327 h 699998"/>
-              <a:gd name="connsiteX55" fmla="*/ 1164821 w 2296898"/>
-              <a:gd name="connsiteY55" fmla="*/ 181363 h 699998"/>
-              <a:gd name="connsiteX56" fmla="*/ 1230952 w 2296898"/>
-              <a:gd name="connsiteY56" fmla="*/ 115423 h 699998"/>
-              <a:gd name="connsiteX57" fmla="*/ 1230952 w 2296898"/>
-              <a:gd name="connsiteY57" fmla="*/ 115327 h 699998"/>
-              <a:gd name="connsiteX58" fmla="*/ 1165013 w 2296898"/>
-              <a:gd name="connsiteY58" fmla="*/ 49196 h 699998"/>
-              <a:gd name="connsiteX59" fmla="*/ 1164917 w 2296898"/>
-              <a:gd name="connsiteY59" fmla="*/ 49196 h 699998"/>
-              <a:gd name="connsiteX60" fmla="*/ 341770 w 2296898"/>
-              <a:gd name="connsiteY60" fmla="*/ 100685 h 699998"/>
-              <a:gd name="connsiteX61" fmla="*/ 344642 w 2296898"/>
-              <a:gd name="connsiteY61" fmla="*/ 100685 h 699998"/>
-              <a:gd name="connsiteX62" fmla="*/ 433646 w 2296898"/>
-              <a:gd name="connsiteY62" fmla="*/ 118581 h 699998"/>
-              <a:gd name="connsiteX63" fmla="*/ 554615 w 2296898"/>
-              <a:gd name="connsiteY63" fmla="*/ 241082 h 699998"/>
-              <a:gd name="connsiteX64" fmla="*/ 572416 w 2296898"/>
-              <a:gd name="connsiteY64" fmla="*/ 332670 h 699998"/>
-              <a:gd name="connsiteX65" fmla="*/ 554615 w 2296898"/>
-              <a:gd name="connsiteY65" fmla="*/ 424259 h 699998"/>
-              <a:gd name="connsiteX66" fmla="*/ 506189 w 2296898"/>
-              <a:gd name="connsiteY66" fmla="*/ 497663 h 699998"/>
-              <a:gd name="connsiteX67" fmla="*/ 344642 w 2296898"/>
-              <a:gd name="connsiteY67" fmla="*/ 564464 h 699998"/>
-              <a:gd name="connsiteX68" fmla="*/ 255637 w 2296898"/>
-              <a:gd name="connsiteY68" fmla="*/ 546664 h 699998"/>
-              <a:gd name="connsiteX69" fmla="*/ 183381 w 2296898"/>
-              <a:gd name="connsiteY69" fmla="*/ 497663 h 699998"/>
-              <a:gd name="connsiteX70" fmla="*/ 116484 w 2296898"/>
-              <a:gd name="connsiteY70" fmla="*/ 332766 h 699998"/>
-              <a:gd name="connsiteX71" fmla="*/ 183381 w 2296898"/>
-              <a:gd name="connsiteY71" fmla="*/ 167486 h 699998"/>
-              <a:gd name="connsiteX72" fmla="*/ 255733 w 2296898"/>
-              <a:gd name="connsiteY72" fmla="*/ 118581 h 699998"/>
-              <a:gd name="connsiteX73" fmla="*/ 341675 w 2296898"/>
-              <a:gd name="connsiteY73" fmla="*/ 100685 h 699998"/>
-              <a:gd name="connsiteX74" fmla="*/ 2030747 w 2296898"/>
-              <a:gd name="connsiteY74" fmla="*/ 174664 h 699998"/>
-              <a:gd name="connsiteX75" fmla="*/ 1933130 w 2296898"/>
-              <a:gd name="connsiteY75" fmla="*/ 193900 h 699998"/>
-              <a:gd name="connsiteX76" fmla="*/ 1855131 w 2296898"/>
-              <a:gd name="connsiteY76" fmla="*/ 246728 h 699998"/>
-              <a:gd name="connsiteX77" fmla="*/ 1804887 w 2296898"/>
-              <a:gd name="connsiteY77" fmla="*/ 324631 h 699998"/>
-              <a:gd name="connsiteX78" fmla="*/ 1787086 w 2296898"/>
-              <a:gd name="connsiteY78" fmla="*/ 420143 h 699998"/>
-              <a:gd name="connsiteX79" fmla="*/ 1804887 w 2296898"/>
-              <a:gd name="connsiteY79" fmla="*/ 515560 h 699998"/>
-              <a:gd name="connsiteX80" fmla="*/ 1855131 w 2296898"/>
-              <a:gd name="connsiteY80" fmla="*/ 593463 h 699998"/>
-              <a:gd name="connsiteX81" fmla="*/ 1933130 w 2296898"/>
-              <a:gd name="connsiteY81" fmla="*/ 645717 h 699998"/>
-              <a:gd name="connsiteX82" fmla="*/ 2034480 w 2296898"/>
-              <a:gd name="connsiteY82" fmla="*/ 664857 h 699998"/>
-              <a:gd name="connsiteX83" fmla="*/ 2084054 w 2296898"/>
-              <a:gd name="connsiteY83" fmla="*/ 659498 h 699998"/>
-              <a:gd name="connsiteX84" fmla="*/ 2128078 w 2296898"/>
-              <a:gd name="connsiteY84" fmla="*/ 645525 h 699998"/>
-              <a:gd name="connsiteX85" fmla="*/ 2165785 w 2296898"/>
-              <a:gd name="connsiteY85" fmla="*/ 625140 h 699998"/>
-              <a:gd name="connsiteX86" fmla="*/ 2197272 w 2296898"/>
-              <a:gd name="connsiteY86" fmla="*/ 599970 h 699998"/>
-              <a:gd name="connsiteX87" fmla="*/ 2203492 w 2296898"/>
-              <a:gd name="connsiteY87" fmla="*/ 650693 h 699998"/>
-              <a:gd name="connsiteX88" fmla="*/ 2296899 w 2296898"/>
-              <a:gd name="connsiteY88" fmla="*/ 650693 h 699998"/>
-              <a:gd name="connsiteX89" fmla="*/ 2296899 w 2296898"/>
-              <a:gd name="connsiteY89" fmla="*/ 188541 h 699998"/>
-              <a:gd name="connsiteX90" fmla="*/ 2203492 w 2296898"/>
-              <a:gd name="connsiteY90" fmla="*/ 188541 h 699998"/>
-              <a:gd name="connsiteX91" fmla="*/ 2196984 w 2296898"/>
-              <a:gd name="connsiteY91" fmla="*/ 239551 h 699998"/>
-              <a:gd name="connsiteX92" fmla="*/ 2166168 w 2296898"/>
-              <a:gd name="connsiteY92" fmla="*/ 214668 h 699998"/>
-              <a:gd name="connsiteX93" fmla="*/ 2128461 w 2296898"/>
-              <a:gd name="connsiteY93" fmla="*/ 193900 h 699998"/>
-              <a:gd name="connsiteX94" fmla="*/ 2084246 w 2296898"/>
-              <a:gd name="connsiteY94" fmla="*/ 180023 h 699998"/>
-              <a:gd name="connsiteX95" fmla="*/ 2034384 w 2296898"/>
-              <a:gd name="connsiteY95" fmla="*/ 174664 h 699998"/>
-              <a:gd name="connsiteX96" fmla="*/ 2030747 w 2296898"/>
-              <a:gd name="connsiteY96" fmla="*/ 174664 h 699998"/>
-              <a:gd name="connsiteX97" fmla="*/ 846415 w 2296898"/>
-              <a:gd name="connsiteY97" fmla="*/ 255437 h 699998"/>
-              <a:gd name="connsiteX98" fmla="*/ 846415 w 2296898"/>
-              <a:gd name="connsiteY98" fmla="*/ 651459 h 699998"/>
-              <a:gd name="connsiteX99" fmla="*/ 952933 w 2296898"/>
-              <a:gd name="connsiteY99" fmla="*/ 651459 h 699998"/>
-              <a:gd name="connsiteX100" fmla="*/ 952933 w 2296898"/>
-              <a:gd name="connsiteY100" fmla="*/ 255342 h 699998"/>
-              <a:gd name="connsiteX101" fmla="*/ 1111514 w 2296898"/>
-              <a:gd name="connsiteY101" fmla="*/ 255437 h 699998"/>
-              <a:gd name="connsiteX102" fmla="*/ 1111514 w 2296898"/>
-              <a:gd name="connsiteY102" fmla="*/ 651459 h 699998"/>
-              <a:gd name="connsiteX103" fmla="*/ 1218128 w 2296898"/>
-              <a:gd name="connsiteY103" fmla="*/ 651459 h 699998"/>
-              <a:gd name="connsiteX104" fmla="*/ 1218128 w 2296898"/>
-              <a:gd name="connsiteY104" fmla="*/ 255342 h 699998"/>
-              <a:gd name="connsiteX105" fmla="*/ 2041753 w 2296898"/>
-              <a:gd name="connsiteY105" fmla="*/ 269315 h 699998"/>
-              <a:gd name="connsiteX106" fmla="*/ 2044050 w 2296898"/>
-              <a:gd name="connsiteY106" fmla="*/ 269315 h 699998"/>
-              <a:gd name="connsiteX107" fmla="*/ 2149133 w 2296898"/>
-              <a:gd name="connsiteY107" fmla="*/ 311903 h 699998"/>
-              <a:gd name="connsiteX108" fmla="*/ 2181098 w 2296898"/>
-              <a:gd name="connsiteY108" fmla="*/ 359276 h 699998"/>
-              <a:gd name="connsiteX109" fmla="*/ 2192678 w 2296898"/>
-              <a:gd name="connsiteY109" fmla="*/ 419665 h 699998"/>
-              <a:gd name="connsiteX110" fmla="*/ 2181098 w 2296898"/>
-              <a:gd name="connsiteY110" fmla="*/ 480915 h 699998"/>
-              <a:gd name="connsiteX111" fmla="*/ 2149420 w 2296898"/>
-              <a:gd name="connsiteY111" fmla="*/ 528576 h 699998"/>
-              <a:gd name="connsiteX112" fmla="*/ 2102525 w 2296898"/>
-              <a:gd name="connsiteY112" fmla="*/ 559584 h 699998"/>
-              <a:gd name="connsiteX113" fmla="*/ 1987011 w 2296898"/>
-              <a:gd name="connsiteY113" fmla="*/ 559584 h 699998"/>
-              <a:gd name="connsiteX114" fmla="*/ 1939829 w 2296898"/>
-              <a:gd name="connsiteY114" fmla="*/ 528576 h 699998"/>
-              <a:gd name="connsiteX115" fmla="*/ 1907960 w 2296898"/>
-              <a:gd name="connsiteY115" fmla="*/ 480724 h 699998"/>
-              <a:gd name="connsiteX116" fmla="*/ 1896284 w 2296898"/>
-              <a:gd name="connsiteY116" fmla="*/ 419665 h 699998"/>
-              <a:gd name="connsiteX117" fmla="*/ 1907768 w 2296898"/>
-              <a:gd name="connsiteY117" fmla="*/ 358702 h 699998"/>
-              <a:gd name="connsiteX118" fmla="*/ 1939159 w 2296898"/>
-              <a:gd name="connsiteY118" fmla="*/ 311328 h 699998"/>
-              <a:gd name="connsiteX119" fmla="*/ 1986054 w 2296898"/>
-              <a:gd name="connsiteY119" fmla="*/ 280416 h 699998"/>
-              <a:gd name="connsiteX120" fmla="*/ 2041658 w 2296898"/>
-              <a:gd name="connsiteY120" fmla="*/ 269315 h 699998"/>
+              <a:gd name="connsiteX0" fmla="*/ 341675 w 689185"/>
+              <a:gd name="connsiteY0" fmla="*/ 100685 h 699998"/>
+              <a:gd name="connsiteX1" fmla="*/ 255733 w 689185"/>
+              <a:gd name="connsiteY1" fmla="*/ 118581 h 699998"/>
+              <a:gd name="connsiteX2" fmla="*/ 183381 w 689185"/>
+              <a:gd name="connsiteY2" fmla="*/ 167486 h 699998"/>
+              <a:gd name="connsiteX3" fmla="*/ 116484 w 689185"/>
+              <a:gd name="connsiteY3" fmla="*/ 332766 h 699998"/>
+              <a:gd name="connsiteX4" fmla="*/ 183381 w 689185"/>
+              <a:gd name="connsiteY4" fmla="*/ 497663 h 699998"/>
+              <a:gd name="connsiteX5" fmla="*/ 255637 w 689185"/>
+              <a:gd name="connsiteY5" fmla="*/ 546664 h 699998"/>
+              <a:gd name="connsiteX6" fmla="*/ 344642 w 689185"/>
+              <a:gd name="connsiteY6" fmla="*/ 564464 h 699998"/>
+              <a:gd name="connsiteX7" fmla="*/ 506189 w 689185"/>
+              <a:gd name="connsiteY7" fmla="*/ 497663 h 699998"/>
+              <a:gd name="connsiteX8" fmla="*/ 554615 w 689185"/>
+              <a:gd name="connsiteY8" fmla="*/ 424259 h 699998"/>
+              <a:gd name="connsiteX9" fmla="*/ 572416 w 689185"/>
+              <a:gd name="connsiteY9" fmla="*/ 332670 h 699998"/>
+              <a:gd name="connsiteX10" fmla="*/ 554615 w 689185"/>
+              <a:gd name="connsiteY10" fmla="*/ 241082 h 699998"/>
+              <a:gd name="connsiteX11" fmla="*/ 433646 w 689185"/>
+              <a:gd name="connsiteY11" fmla="*/ 118581 h 699998"/>
+              <a:gd name="connsiteX12" fmla="*/ 344642 w 689185"/>
+              <a:gd name="connsiteY12" fmla="*/ 100685 h 699998"/>
+              <a:gd name="connsiteX13" fmla="*/ 341770 w 689185"/>
+              <a:gd name="connsiteY13" fmla="*/ 100685 h 699998"/>
+              <a:gd name="connsiteX14" fmla="*/ 341770 w 689185"/>
+              <a:gd name="connsiteY14" fmla="*/ 5 h 699998"/>
+              <a:gd name="connsiteX15" fmla="*/ 344737 w 689185"/>
+              <a:gd name="connsiteY15" fmla="*/ 5 h 699998"/>
+              <a:gd name="connsiteX16" fmla="*/ 478531 w 689185"/>
+              <a:gd name="connsiteY16" fmla="*/ 25845 h 699998"/>
+              <a:gd name="connsiteX17" fmla="*/ 588016 w 689185"/>
+              <a:gd name="connsiteY17" fmla="*/ 96378 h 699998"/>
+              <a:gd name="connsiteX18" fmla="*/ 662186 w 689185"/>
+              <a:gd name="connsiteY18" fmla="*/ 201843 h 699998"/>
+              <a:gd name="connsiteX19" fmla="*/ 689174 w 689185"/>
+              <a:gd name="connsiteY19" fmla="*/ 332192 h 699998"/>
+              <a:gd name="connsiteX20" fmla="*/ 667545 w 689185"/>
+              <a:gd name="connsiteY20" fmla="*/ 447802 h 699998"/>
+              <a:gd name="connsiteX21" fmla="*/ 608879 w 689185"/>
+              <a:gd name="connsiteY21" fmla="*/ 545611 h 699998"/>
+              <a:gd name="connsiteX22" fmla="*/ 668598 w 689185"/>
+              <a:gd name="connsiteY22" fmla="*/ 605330 h 699998"/>
+              <a:gd name="connsiteX23" fmla="*/ 668598 w 689185"/>
+              <a:gd name="connsiteY23" fmla="*/ 683520 h 699998"/>
+              <a:gd name="connsiteX24" fmla="*/ 668101 w 689185"/>
+              <a:gd name="connsiteY24" fmla="*/ 684017 h 699998"/>
+              <a:gd name="connsiteX25" fmla="*/ 589738 w 689185"/>
+              <a:gd name="connsiteY25" fmla="*/ 683520 h 699998"/>
+              <a:gd name="connsiteX26" fmla="*/ 523990 w 689185"/>
+              <a:gd name="connsiteY26" fmla="*/ 616719 h 699998"/>
+              <a:gd name="connsiteX27" fmla="*/ 439005 w 689185"/>
+              <a:gd name="connsiteY27" fmla="*/ 652512 h 699998"/>
+              <a:gd name="connsiteX28" fmla="*/ 344546 w 689185"/>
+              <a:gd name="connsiteY28" fmla="*/ 664953 h 699998"/>
+              <a:gd name="connsiteX29" fmla="*/ 101076 w 689185"/>
+              <a:gd name="connsiteY29" fmla="*/ 568101 h 699998"/>
+              <a:gd name="connsiteX30" fmla="*/ 26906 w 689185"/>
+              <a:gd name="connsiteY30" fmla="*/ 462157 h 699998"/>
+              <a:gd name="connsiteX31" fmla="*/ 13 w 689185"/>
+              <a:gd name="connsiteY31" fmla="*/ 332287 h 699998"/>
+              <a:gd name="connsiteX32" fmla="*/ 26906 w 689185"/>
+              <a:gd name="connsiteY32" fmla="*/ 201939 h 699998"/>
+              <a:gd name="connsiteX33" fmla="*/ 100884 w 689185"/>
+              <a:gd name="connsiteY33" fmla="*/ 96474 h 699998"/>
+              <a:gd name="connsiteX34" fmla="*/ 209987 w 689185"/>
+              <a:gd name="connsiteY34" fmla="*/ 25845 h 699998"/>
+              <a:gd name="connsiteX35" fmla="*/ 341675 w 689185"/>
+              <a:gd name="connsiteY35" fmla="*/ 100 h 699998"/>
             </a:gdLst>
             <a:ahLst/>
             <a:cxnLst>
@@ -5308,814 +5138,189 @@
               <a:cxn ang="0">
                 <a:pos x="connsiteX35" y="connsiteY35"/>
               </a:cxn>
-              <a:cxn ang="0">
-                <a:pos x="connsiteX36" y="connsiteY36"/>
-              </a:cxn>
-              <a:cxn ang="0">
-                <a:pos x="connsiteX37" y="connsiteY37"/>
-              </a:cxn>
-              <a:cxn ang="0">
-                <a:pos x="connsiteX38" y="connsiteY38"/>
-              </a:cxn>
-              <a:cxn ang="0">
-                <a:pos x="connsiteX39" y="connsiteY39"/>
-              </a:cxn>
-              <a:cxn ang="0">
-                <a:pos x="connsiteX40" y="connsiteY40"/>
-              </a:cxn>
-              <a:cxn ang="0">
-                <a:pos x="connsiteX41" y="connsiteY41"/>
-              </a:cxn>
-              <a:cxn ang="0">
-                <a:pos x="connsiteX42" y="connsiteY42"/>
-              </a:cxn>
-              <a:cxn ang="0">
-                <a:pos x="connsiteX43" y="connsiteY43"/>
-              </a:cxn>
-              <a:cxn ang="0">
-                <a:pos x="connsiteX44" y="connsiteY44"/>
-              </a:cxn>
-              <a:cxn ang="0">
-                <a:pos x="connsiteX45" y="connsiteY45"/>
-              </a:cxn>
-              <a:cxn ang="0">
-                <a:pos x="connsiteX46" y="connsiteY46"/>
-              </a:cxn>
-              <a:cxn ang="0">
-                <a:pos x="connsiteX47" y="connsiteY47"/>
-              </a:cxn>
-              <a:cxn ang="0">
-                <a:pos x="connsiteX48" y="connsiteY48"/>
-              </a:cxn>
-              <a:cxn ang="0">
-                <a:pos x="connsiteX49" y="connsiteY49"/>
-              </a:cxn>
-              <a:cxn ang="0">
-                <a:pos x="connsiteX50" y="connsiteY50"/>
-              </a:cxn>
-              <a:cxn ang="0">
-                <a:pos x="connsiteX51" y="connsiteY51"/>
-              </a:cxn>
-              <a:cxn ang="0">
-                <a:pos x="connsiteX52" y="connsiteY52"/>
-              </a:cxn>
-              <a:cxn ang="0">
-                <a:pos x="connsiteX53" y="connsiteY53"/>
-              </a:cxn>
-              <a:cxn ang="0">
-                <a:pos x="connsiteX54" y="connsiteY54"/>
-              </a:cxn>
-              <a:cxn ang="0">
-                <a:pos x="connsiteX55" y="connsiteY55"/>
-              </a:cxn>
-              <a:cxn ang="0">
-                <a:pos x="connsiteX56" y="connsiteY56"/>
-              </a:cxn>
-              <a:cxn ang="0">
-                <a:pos x="connsiteX57" y="connsiteY57"/>
-              </a:cxn>
-              <a:cxn ang="0">
-                <a:pos x="connsiteX58" y="connsiteY58"/>
-              </a:cxn>
-              <a:cxn ang="0">
-                <a:pos x="connsiteX59" y="connsiteY59"/>
-              </a:cxn>
-              <a:cxn ang="0">
-                <a:pos x="connsiteX60" y="connsiteY60"/>
-              </a:cxn>
-              <a:cxn ang="0">
-                <a:pos x="connsiteX61" y="connsiteY61"/>
-              </a:cxn>
-              <a:cxn ang="0">
-                <a:pos x="connsiteX62" y="connsiteY62"/>
-              </a:cxn>
-              <a:cxn ang="0">
-                <a:pos x="connsiteX63" y="connsiteY63"/>
-              </a:cxn>
-              <a:cxn ang="0">
-                <a:pos x="connsiteX64" y="connsiteY64"/>
-              </a:cxn>
-              <a:cxn ang="0">
-                <a:pos x="connsiteX65" y="connsiteY65"/>
-              </a:cxn>
-              <a:cxn ang="0">
-                <a:pos x="connsiteX66" y="connsiteY66"/>
-              </a:cxn>
-              <a:cxn ang="0">
-                <a:pos x="connsiteX67" y="connsiteY67"/>
-              </a:cxn>
-              <a:cxn ang="0">
-                <a:pos x="connsiteX68" y="connsiteY68"/>
-              </a:cxn>
-              <a:cxn ang="0">
-                <a:pos x="connsiteX69" y="connsiteY69"/>
-              </a:cxn>
-              <a:cxn ang="0">
-                <a:pos x="connsiteX70" y="connsiteY70"/>
-              </a:cxn>
-              <a:cxn ang="0">
-                <a:pos x="connsiteX71" y="connsiteY71"/>
-              </a:cxn>
-              <a:cxn ang="0">
-                <a:pos x="connsiteX72" y="connsiteY72"/>
-              </a:cxn>
-              <a:cxn ang="0">
-                <a:pos x="connsiteX73" y="connsiteY73"/>
-              </a:cxn>
-              <a:cxn ang="0">
-                <a:pos x="connsiteX74" y="connsiteY74"/>
-              </a:cxn>
-              <a:cxn ang="0">
-                <a:pos x="connsiteX75" y="connsiteY75"/>
-              </a:cxn>
-              <a:cxn ang="0">
-                <a:pos x="connsiteX76" y="connsiteY76"/>
-              </a:cxn>
-              <a:cxn ang="0">
-                <a:pos x="connsiteX77" y="connsiteY77"/>
-              </a:cxn>
-              <a:cxn ang="0">
-                <a:pos x="connsiteX78" y="connsiteY78"/>
-              </a:cxn>
-              <a:cxn ang="0">
-                <a:pos x="connsiteX79" y="connsiteY79"/>
-              </a:cxn>
-              <a:cxn ang="0">
-                <a:pos x="connsiteX80" y="connsiteY80"/>
-              </a:cxn>
-              <a:cxn ang="0">
-                <a:pos x="connsiteX81" y="connsiteY81"/>
-              </a:cxn>
-              <a:cxn ang="0">
-                <a:pos x="connsiteX82" y="connsiteY82"/>
-              </a:cxn>
-              <a:cxn ang="0">
-                <a:pos x="connsiteX83" y="connsiteY83"/>
-              </a:cxn>
-              <a:cxn ang="0">
-                <a:pos x="connsiteX84" y="connsiteY84"/>
-              </a:cxn>
-              <a:cxn ang="0">
-                <a:pos x="connsiteX85" y="connsiteY85"/>
-              </a:cxn>
-              <a:cxn ang="0">
-                <a:pos x="connsiteX86" y="connsiteY86"/>
-              </a:cxn>
-              <a:cxn ang="0">
-                <a:pos x="connsiteX87" y="connsiteY87"/>
-              </a:cxn>
-              <a:cxn ang="0">
-                <a:pos x="connsiteX88" y="connsiteY88"/>
-              </a:cxn>
-              <a:cxn ang="0">
-                <a:pos x="connsiteX89" y="connsiteY89"/>
-              </a:cxn>
-              <a:cxn ang="0">
-                <a:pos x="connsiteX90" y="connsiteY90"/>
-              </a:cxn>
-              <a:cxn ang="0">
-                <a:pos x="connsiteX91" y="connsiteY91"/>
-              </a:cxn>
-              <a:cxn ang="0">
-                <a:pos x="connsiteX92" y="connsiteY92"/>
-              </a:cxn>
-              <a:cxn ang="0">
-                <a:pos x="connsiteX93" y="connsiteY93"/>
-              </a:cxn>
-              <a:cxn ang="0">
-                <a:pos x="connsiteX94" y="connsiteY94"/>
-              </a:cxn>
-              <a:cxn ang="0">
-                <a:pos x="connsiteX95" y="connsiteY95"/>
-              </a:cxn>
-              <a:cxn ang="0">
-                <a:pos x="connsiteX96" y="connsiteY96"/>
-              </a:cxn>
-              <a:cxn ang="0">
-                <a:pos x="connsiteX97" y="connsiteY97"/>
-              </a:cxn>
-              <a:cxn ang="0">
-                <a:pos x="connsiteX98" y="connsiteY98"/>
-              </a:cxn>
-              <a:cxn ang="0">
-                <a:pos x="connsiteX99" y="connsiteY99"/>
-              </a:cxn>
-              <a:cxn ang="0">
-                <a:pos x="connsiteX100" y="connsiteY100"/>
-              </a:cxn>
-              <a:cxn ang="0">
-                <a:pos x="connsiteX101" y="connsiteY101"/>
-              </a:cxn>
-              <a:cxn ang="0">
-                <a:pos x="connsiteX102" y="connsiteY102"/>
-              </a:cxn>
-              <a:cxn ang="0">
-                <a:pos x="connsiteX103" y="connsiteY103"/>
-              </a:cxn>
-              <a:cxn ang="0">
-                <a:pos x="connsiteX104" y="connsiteY104"/>
-              </a:cxn>
-              <a:cxn ang="0">
-                <a:pos x="connsiteX105" y="connsiteY105"/>
-              </a:cxn>
-              <a:cxn ang="0">
-                <a:pos x="connsiteX106" y="connsiteY106"/>
-              </a:cxn>
-              <a:cxn ang="0">
-                <a:pos x="connsiteX107" y="connsiteY107"/>
-              </a:cxn>
-              <a:cxn ang="0">
-                <a:pos x="connsiteX108" y="connsiteY108"/>
-              </a:cxn>
-              <a:cxn ang="0">
-                <a:pos x="connsiteX109" y="connsiteY109"/>
-              </a:cxn>
-              <a:cxn ang="0">
-                <a:pos x="connsiteX110" y="connsiteY110"/>
-              </a:cxn>
-              <a:cxn ang="0">
-                <a:pos x="connsiteX111" y="connsiteY111"/>
-              </a:cxn>
-              <a:cxn ang="0">
-                <a:pos x="connsiteX112" y="connsiteY112"/>
-              </a:cxn>
-              <a:cxn ang="0">
-                <a:pos x="connsiteX113" y="connsiteY113"/>
-              </a:cxn>
-              <a:cxn ang="0">
-                <a:pos x="connsiteX114" y="connsiteY114"/>
-              </a:cxn>
-              <a:cxn ang="0">
-                <a:pos x="connsiteX115" y="connsiteY115"/>
-              </a:cxn>
-              <a:cxn ang="0">
-                <a:pos x="connsiteX116" y="connsiteY116"/>
-              </a:cxn>
-              <a:cxn ang="0">
-                <a:pos x="connsiteX117" y="connsiteY117"/>
-              </a:cxn>
-              <a:cxn ang="0">
-                <a:pos x="connsiteX118" y="connsiteY118"/>
-              </a:cxn>
-              <a:cxn ang="0">
-                <a:pos x="connsiteX119" y="connsiteY119"/>
-              </a:cxn>
-              <a:cxn ang="0">
-                <a:pos x="connsiteX120" y="connsiteY120"/>
-              </a:cxn>
             </a:cxnLst>
             <a:rect l="l" t="t" r="r" b="b"/>
             <a:pathLst>
-              <a:path w="2296898" h="699998">
+              <a:path w="689185" h="699998">
                 <a:moveTo>
-                  <a:pt x="341675" y="100"/>
+                  <a:pt x="341675" y="100685"/>
                 </a:moveTo>
                 <a:cubicBezTo>
-                  <a:pt x="296528" y="98"/>
-                  <a:pt x="251809" y="8841"/>
+                  <a:pt x="312123" y="100882"/>
+                  <a:pt x="282907" y="106966"/>
+                  <a:pt x="255733" y="118581"/>
+                </a:cubicBezTo>
+                <a:cubicBezTo>
+                  <a:pt x="228692" y="130072"/>
+                  <a:pt x="204125" y="146678"/>
+                  <a:pt x="183381" y="167486"/>
+                </a:cubicBezTo>
+                <a:cubicBezTo>
+                  <a:pt x="140098" y="211557"/>
+                  <a:pt x="116044" y="270989"/>
+                  <a:pt x="116484" y="332766"/>
+                </a:cubicBezTo>
+                <a:cubicBezTo>
+                  <a:pt x="116009" y="394437"/>
+                  <a:pt x="140076" y="453755"/>
+                  <a:pt x="183381" y="497663"/>
+                </a:cubicBezTo>
+                <a:cubicBezTo>
+                  <a:pt x="204075" y="518507"/>
+                  <a:pt x="228613" y="535150"/>
+                  <a:pt x="255637" y="546664"/>
+                </a:cubicBezTo>
+                <a:cubicBezTo>
+                  <a:pt x="283766" y="558655"/>
+                  <a:pt x="314065" y="564713"/>
+                  <a:pt x="344642" y="564464"/>
+                </a:cubicBezTo>
+                <a:cubicBezTo>
+                  <a:pt x="405268" y="564751"/>
+                  <a:pt x="463471" y="540682"/>
+                  <a:pt x="506189" y="497663"/>
+                </a:cubicBezTo>
+                <a:cubicBezTo>
+                  <a:pt x="526939" y="476570"/>
+                  <a:pt x="543386" y="451639"/>
+                  <a:pt x="554615" y="424259"/>
+                </a:cubicBezTo>
+                <a:cubicBezTo>
+                  <a:pt x="566639" y="395232"/>
+                  <a:pt x="572694" y="364090"/>
+                  <a:pt x="572416" y="332670"/>
+                </a:cubicBezTo>
+                <a:cubicBezTo>
+                  <a:pt x="572644" y="301260"/>
+                  <a:pt x="566592" y="270118"/>
+                  <a:pt x="554615" y="241082"/>
+                </a:cubicBezTo>
+                <a:cubicBezTo>
+                  <a:pt x="532172" y="185794"/>
+                  <a:pt x="488645" y="141719"/>
+                  <a:pt x="433646" y="118581"/>
+                </a:cubicBezTo>
+                <a:cubicBezTo>
+                  <a:pt x="405502" y="106628"/>
+                  <a:pt x="375218" y="100538"/>
+                  <a:pt x="344642" y="100685"/>
+                </a:cubicBezTo>
+                <a:cubicBezTo>
+                  <a:pt x="343684" y="100679"/>
+                  <a:pt x="342727" y="100679"/>
+                  <a:pt x="341770" y="100685"/>
+                </a:cubicBezTo>
+                <a:close/>
+                <a:moveTo>
+                  <a:pt x="341770" y="5"/>
+                </a:moveTo>
+                <a:cubicBezTo>
+                  <a:pt x="342759" y="0"/>
+                  <a:pt x="343749" y="0"/>
+                  <a:pt x="344737" y="5"/>
+                </a:cubicBezTo>
+                <a:cubicBezTo>
+                  <a:pt x="390597" y="-231"/>
+                  <a:pt x="436057" y="8548"/>
+                  <a:pt x="478531" y="25845"/>
+                </a:cubicBezTo>
+                <a:cubicBezTo>
+                  <a:pt x="519163" y="42211"/>
+                  <a:pt x="556317" y="66146"/>
+                  <a:pt x="588016" y="96378"/>
+                </a:cubicBezTo>
+                <a:cubicBezTo>
+                  <a:pt x="619358" y="126379"/>
+                  <a:pt x="644552" y="162203"/>
+                  <a:pt x="662186" y="201843"/>
+                </a:cubicBezTo>
+                <a:cubicBezTo>
+                  <a:pt x="680349" y="242881"/>
+                  <a:pt x="689550" y="287316"/>
+                  <a:pt x="689174" y="332192"/>
+                </a:cubicBezTo>
+                <a:cubicBezTo>
+                  <a:pt x="689308" y="371746"/>
+                  <a:pt x="681970" y="410975"/>
+                  <a:pt x="667545" y="447802"/>
+                </a:cubicBezTo>
+                <a:cubicBezTo>
+                  <a:pt x="653669" y="483490"/>
+                  <a:pt x="633832" y="516565"/>
+                  <a:pt x="608879" y="545611"/>
+                </a:cubicBezTo>
+                <a:lnTo>
+                  <a:pt x="668598" y="605330"/>
+                </a:lnTo>
+                <a:cubicBezTo>
+                  <a:pt x="690069" y="626968"/>
+                  <a:pt x="690069" y="661881"/>
+                  <a:pt x="668598" y="683520"/>
+                </a:cubicBezTo>
+                <a:cubicBezTo>
+                  <a:pt x="668434" y="683682"/>
+                  <a:pt x="668268" y="683855"/>
+                  <a:pt x="668101" y="684017"/>
+                </a:cubicBezTo>
+                <a:cubicBezTo>
+                  <a:pt x="646325" y="705522"/>
+                  <a:pt x="611241" y="705292"/>
+                  <a:pt x="589738" y="683520"/>
+                </a:cubicBezTo>
+                <a:lnTo>
+                  <a:pt x="523990" y="616719"/>
+                </a:lnTo>
+                <a:cubicBezTo>
+                  <a:pt x="497364" y="632347"/>
+                  <a:pt x="468788" y="644377"/>
+                  <a:pt x="439005" y="652512"/>
+                </a:cubicBezTo>
+                <a:cubicBezTo>
+                  <a:pt x="408215" y="660857"/>
+                  <a:pt x="376447" y="665049"/>
+                  <a:pt x="344546" y="664953"/>
+                </a:cubicBezTo>
+                <a:cubicBezTo>
+                  <a:pt x="253870" y="665623"/>
+                  <a:pt x="166513" y="630873"/>
+                  <a:pt x="101076" y="568101"/>
+                </a:cubicBezTo>
+                <a:cubicBezTo>
+                  <a:pt x="69770" y="537888"/>
+                  <a:pt x="44586" y="501913"/>
+                  <a:pt x="26906" y="462157"/>
+                </a:cubicBezTo>
+                <a:cubicBezTo>
+                  <a:pt x="8794" y="421273"/>
+                  <a:pt x="-374" y="377000"/>
+                  <a:pt x="13" y="332287"/>
+                </a:cubicBezTo>
+                <a:cubicBezTo>
+                  <a:pt x="-393" y="287422"/>
+                  <a:pt x="8776" y="242986"/>
+                  <a:pt x="26906" y="201939"/>
+                </a:cubicBezTo>
+                <a:cubicBezTo>
+                  <a:pt x="44515" y="162327"/>
+                  <a:pt x="69639" y="126516"/>
+                  <a:pt x="100884" y="96474"/>
+                </a:cubicBezTo>
+                <a:cubicBezTo>
+                  <a:pt x="132420" y="66195"/>
+                  <a:pt x="169451" y="42221"/>
                   <a:pt x="209987" y="25845"/>
                 </a:cubicBezTo>
                 <a:cubicBezTo>
-                  <a:pt x="169451" y="42221"/>
-                  <a:pt x="132420" y="66195"/>
-                  <a:pt x="100884" y="96474"/>
-                </a:cubicBezTo>
-                <a:cubicBezTo>
-                  <a:pt x="69639" y="126516"/>
-                  <a:pt x="44515" y="162327"/>
-                  <a:pt x="26906" y="201939"/>
-                </a:cubicBezTo>
-                <a:cubicBezTo>
-                  <a:pt x="8776" y="242986"/>
-                  <a:pt x="-393" y="287422"/>
-                  <a:pt x="13" y="332287"/>
-                </a:cubicBezTo>
-                <a:cubicBezTo>
-                  <a:pt x="-374" y="377000"/>
-                  <a:pt x="8794" y="421273"/>
-                  <a:pt x="26906" y="462157"/>
-                </a:cubicBezTo>
-                <a:cubicBezTo>
-                  <a:pt x="44586" y="501913"/>
-                  <a:pt x="69770" y="537888"/>
-                  <a:pt x="101076" y="568101"/>
-                </a:cubicBezTo>
-                <a:cubicBezTo>
-                  <a:pt x="166513" y="630873"/>
-                  <a:pt x="253870" y="665623"/>
-                  <a:pt x="344546" y="664953"/>
-                </a:cubicBezTo>
-                <a:cubicBezTo>
-                  <a:pt x="376447" y="665049"/>
-                  <a:pt x="408215" y="660857"/>
-                  <a:pt x="439005" y="652512"/>
-                </a:cubicBezTo>
-                <a:cubicBezTo>
-                  <a:pt x="468788" y="644377"/>
-                  <a:pt x="497364" y="632347"/>
-                  <a:pt x="523990" y="616719"/>
-                </a:cubicBezTo>
-                <a:lnTo>
-                  <a:pt x="589738" y="683520"/>
-                </a:lnTo>
-                <a:cubicBezTo>
-                  <a:pt x="611241" y="705292"/>
-                  <a:pt x="646325" y="705522"/>
-                  <a:pt x="668101" y="684017"/>
-                </a:cubicBezTo>
-                <a:cubicBezTo>
-                  <a:pt x="668268" y="683855"/>
-                  <a:pt x="668434" y="683682"/>
-                  <a:pt x="668598" y="683520"/>
-                </a:cubicBezTo>
-                <a:cubicBezTo>
-                  <a:pt x="690069" y="661881"/>
-                  <a:pt x="690069" y="626968"/>
-                  <a:pt x="668598" y="605330"/>
-                </a:cubicBezTo>
-                <a:lnTo>
-                  <a:pt x="608879" y="545611"/>
-                </a:lnTo>
-                <a:cubicBezTo>
-                  <a:pt x="633832" y="516565"/>
-                  <a:pt x="653669" y="483490"/>
-                  <a:pt x="667545" y="447802"/>
-                </a:cubicBezTo>
-                <a:cubicBezTo>
-                  <a:pt x="681970" y="410975"/>
-                  <a:pt x="689308" y="371746"/>
-                  <a:pt x="689174" y="332192"/>
-                </a:cubicBezTo>
-                <a:cubicBezTo>
-                  <a:pt x="689550" y="287316"/>
-                  <a:pt x="680349" y="242881"/>
-                  <a:pt x="662186" y="201843"/>
-                </a:cubicBezTo>
-                <a:cubicBezTo>
-                  <a:pt x="644552" y="162203"/>
-                  <a:pt x="619358" y="126379"/>
-                  <a:pt x="588016" y="96378"/>
-                </a:cubicBezTo>
-                <a:cubicBezTo>
-                  <a:pt x="556317" y="66146"/>
-                  <a:pt x="519163" y="42211"/>
-                  <a:pt x="478531" y="25845"/>
-                </a:cubicBezTo>
-                <a:cubicBezTo>
-                  <a:pt x="436057" y="8548"/>
-                  <a:pt x="390597" y="-231"/>
-                  <a:pt x="344737" y="5"/>
-                </a:cubicBezTo>
-                <a:cubicBezTo>
-                  <a:pt x="343749" y="0"/>
-                  <a:pt x="342759" y="0"/>
-                  <a:pt x="341770" y="5"/>
-                </a:cubicBezTo>
-                <a:close/>
-                <a:moveTo>
-                  <a:pt x="1423699" y="17805"/>
-                </a:moveTo>
-                <a:lnTo>
-                  <a:pt x="1423699" y="159830"/>
-                </a:lnTo>
-                <a:lnTo>
-                  <a:pt x="1350486" y="159830"/>
-                </a:lnTo>
-                <a:lnTo>
-                  <a:pt x="1350486" y="261562"/>
-                </a:lnTo>
-                <a:lnTo>
-                  <a:pt x="1423699" y="261562"/>
-                </a:lnTo>
-                <a:lnTo>
-                  <a:pt x="1423699" y="466560"/>
-                </a:lnTo>
-                <a:cubicBezTo>
-                  <a:pt x="1423699" y="506659"/>
-                  <a:pt x="1428772" y="539390"/>
-                  <a:pt x="1438916" y="564943"/>
-                </a:cubicBezTo>
-                <a:cubicBezTo>
-                  <a:pt x="1447510" y="588170"/>
-                  <a:pt x="1461761" y="608890"/>
-                  <a:pt x="1480356" y="625236"/>
-                </a:cubicBezTo>
-                <a:cubicBezTo>
-                  <a:pt x="1498138" y="640137"/>
-                  <a:pt x="1519240" y="650540"/>
-                  <a:pt x="1541893" y="655574"/>
-                </a:cubicBezTo>
-                <a:cubicBezTo>
-                  <a:pt x="1563580" y="661211"/>
-                  <a:pt x="1585907" y="663977"/>
-                  <a:pt x="1608312" y="663805"/>
-                </a:cubicBezTo>
-                <a:lnTo>
-                  <a:pt x="1689947" y="663805"/>
-                </a:lnTo>
-                <a:lnTo>
-                  <a:pt x="1689947" y="566857"/>
-                </a:lnTo>
-                <a:lnTo>
-                  <a:pt x="1619509" y="566857"/>
-                </a:lnTo>
-                <a:cubicBezTo>
-                  <a:pt x="1608120" y="566934"/>
-                  <a:pt x="1596779" y="565393"/>
-                  <a:pt x="1585821" y="562263"/>
-                </a:cubicBezTo>
-                <a:cubicBezTo>
-                  <a:pt x="1575380" y="559172"/>
-                  <a:pt x="1565829" y="553621"/>
-                  <a:pt x="1557972" y="546089"/>
-                </a:cubicBezTo>
-                <a:cubicBezTo>
-                  <a:pt x="1549215" y="537419"/>
-                  <a:pt x="1542659" y="526795"/>
-                  <a:pt x="1538831" y="515081"/>
-                </a:cubicBezTo>
-                <a:cubicBezTo>
-                  <a:pt x="1533711" y="499032"/>
-                  <a:pt x="1531318" y="482245"/>
-                  <a:pt x="1531749" y="465411"/>
-                </a:cubicBezTo>
-                <a:lnTo>
-                  <a:pt x="1531749" y="261562"/>
-                </a:lnTo>
-                <a:lnTo>
-                  <a:pt x="1691191" y="261562"/>
-                </a:lnTo>
-                <a:lnTo>
-                  <a:pt x="1691191" y="159830"/>
-                </a:lnTo>
-                <a:lnTo>
-                  <a:pt x="1532323" y="159830"/>
-                </a:lnTo>
-                <a:lnTo>
-                  <a:pt x="1532323" y="17805"/>
-                </a:lnTo>
-                <a:close/>
-                <a:moveTo>
-                  <a:pt x="899627" y="49196"/>
-                </a:moveTo>
-                <a:cubicBezTo>
-                  <a:pt x="863156" y="49196"/>
-                  <a:pt x="833591" y="78761"/>
-                  <a:pt x="833591" y="115232"/>
-                </a:cubicBezTo>
-                <a:cubicBezTo>
-                  <a:pt x="833591" y="115263"/>
-                  <a:pt x="833591" y="115296"/>
-                  <a:pt x="833591" y="115327"/>
-                </a:cubicBezTo>
-                <a:cubicBezTo>
-                  <a:pt x="833591" y="151798"/>
-                  <a:pt x="863156" y="181363"/>
-                  <a:pt x="899627" y="181363"/>
-                </a:cubicBezTo>
-                <a:cubicBezTo>
-                  <a:pt x="936097" y="181420"/>
-                  <a:pt x="965700" y="151894"/>
-                  <a:pt x="965758" y="115423"/>
-                </a:cubicBezTo>
-                <a:cubicBezTo>
-                  <a:pt x="965758" y="115392"/>
-                  <a:pt x="965758" y="115359"/>
-                  <a:pt x="965758" y="115327"/>
-                </a:cubicBezTo>
-                <a:cubicBezTo>
-                  <a:pt x="965815" y="78857"/>
-                  <a:pt x="936289" y="49249"/>
-                  <a:pt x="899818" y="49196"/>
-                </a:cubicBezTo>
-                <a:cubicBezTo>
-                  <a:pt x="899786" y="49196"/>
-                  <a:pt x="899754" y="49196"/>
-                  <a:pt x="899722" y="49196"/>
-                </a:cubicBezTo>
-                <a:close/>
-                <a:moveTo>
-                  <a:pt x="1164821" y="49196"/>
-                </a:moveTo>
-                <a:cubicBezTo>
-                  <a:pt x="1128349" y="49196"/>
-                  <a:pt x="1098786" y="78761"/>
-                  <a:pt x="1098786" y="115232"/>
-                </a:cubicBezTo>
-                <a:cubicBezTo>
-                  <a:pt x="1098786" y="115263"/>
-                  <a:pt x="1098786" y="115296"/>
-                  <a:pt x="1098786" y="115327"/>
-                </a:cubicBezTo>
-                <a:cubicBezTo>
-                  <a:pt x="1098786" y="151798"/>
-                  <a:pt x="1128349" y="181363"/>
-                  <a:pt x="1164821" y="181363"/>
-                </a:cubicBezTo>
-                <a:cubicBezTo>
-                  <a:pt x="1201294" y="181420"/>
-                  <a:pt x="1230895" y="151894"/>
-                  <a:pt x="1230952" y="115423"/>
-                </a:cubicBezTo>
-                <a:cubicBezTo>
-                  <a:pt x="1230952" y="115392"/>
-                  <a:pt x="1230952" y="115359"/>
-                  <a:pt x="1230952" y="115327"/>
-                </a:cubicBezTo>
-                <a:cubicBezTo>
-                  <a:pt x="1231010" y="78857"/>
-                  <a:pt x="1201485" y="49249"/>
-                  <a:pt x="1165013" y="49196"/>
-                </a:cubicBezTo>
-                <a:cubicBezTo>
-                  <a:pt x="1164984" y="49196"/>
-                  <a:pt x="1164946" y="49196"/>
-                  <a:pt x="1164917" y="49196"/>
-                </a:cubicBezTo>
-                <a:close/>
-                <a:moveTo>
-                  <a:pt x="341770" y="100685"/>
-                </a:moveTo>
-                <a:cubicBezTo>
-                  <a:pt x="342727" y="100679"/>
-                  <a:pt x="343684" y="100679"/>
-                  <a:pt x="344642" y="100685"/>
-                </a:cubicBezTo>
-                <a:cubicBezTo>
-                  <a:pt x="375218" y="100538"/>
-                  <a:pt x="405502" y="106628"/>
-                  <a:pt x="433646" y="118581"/>
-                </a:cubicBezTo>
-                <a:cubicBezTo>
-                  <a:pt x="488645" y="141719"/>
-                  <a:pt x="532172" y="185794"/>
-                  <a:pt x="554615" y="241082"/>
-                </a:cubicBezTo>
-                <a:cubicBezTo>
-                  <a:pt x="566592" y="270118"/>
-                  <a:pt x="572644" y="301260"/>
-                  <a:pt x="572416" y="332670"/>
-                </a:cubicBezTo>
-                <a:cubicBezTo>
-                  <a:pt x="572694" y="364090"/>
-                  <a:pt x="566639" y="395232"/>
-                  <a:pt x="554615" y="424259"/>
-                </a:cubicBezTo>
-                <a:cubicBezTo>
-                  <a:pt x="543386" y="451639"/>
-                  <a:pt x="526939" y="476570"/>
-                  <a:pt x="506189" y="497663"/>
-                </a:cubicBezTo>
-                <a:cubicBezTo>
-                  <a:pt x="463471" y="540682"/>
-                  <a:pt x="405268" y="564751"/>
-                  <a:pt x="344642" y="564464"/>
-                </a:cubicBezTo>
-                <a:cubicBezTo>
-                  <a:pt x="314065" y="564713"/>
-                  <a:pt x="283766" y="558655"/>
-                  <a:pt x="255637" y="546664"/>
-                </a:cubicBezTo>
-                <a:cubicBezTo>
-                  <a:pt x="228613" y="535150"/>
-                  <a:pt x="204075" y="518507"/>
-                  <a:pt x="183381" y="497663"/>
-                </a:cubicBezTo>
-                <a:cubicBezTo>
-                  <a:pt x="140076" y="453755"/>
-                  <a:pt x="116009" y="394437"/>
-                  <a:pt x="116484" y="332766"/>
-                </a:cubicBezTo>
-                <a:cubicBezTo>
-                  <a:pt x="116044" y="270989"/>
-                  <a:pt x="140098" y="211557"/>
-                  <a:pt x="183381" y="167486"/>
-                </a:cubicBezTo>
-                <a:cubicBezTo>
-                  <a:pt x="204125" y="146678"/>
-                  <a:pt x="228692" y="130072"/>
-                  <a:pt x="255733" y="118581"/>
-                </a:cubicBezTo>
-                <a:cubicBezTo>
-                  <a:pt x="282907" y="106966"/>
-                  <a:pt x="312123" y="100882"/>
-                  <a:pt x="341675" y="100685"/>
-                </a:cubicBezTo>
-                <a:close/>
-                <a:moveTo>
-                  <a:pt x="2030747" y="174664"/>
-                </a:moveTo>
-                <a:cubicBezTo>
-                  <a:pt x="1997270" y="174664"/>
-                  <a:pt x="1964109" y="181200"/>
-                  <a:pt x="1933130" y="193900"/>
-                </a:cubicBezTo>
-                <a:cubicBezTo>
-                  <a:pt x="1903873" y="206141"/>
-                  <a:pt x="1877354" y="224104"/>
-                  <a:pt x="1855131" y="246728"/>
-                </a:cubicBezTo>
-                <a:cubicBezTo>
-                  <a:pt x="1833330" y="269066"/>
-                  <a:pt x="1816237" y="295556"/>
-                  <a:pt x="1804887" y="324631"/>
-                </a:cubicBezTo>
-                <a:cubicBezTo>
-                  <a:pt x="1792914" y="355046"/>
-                  <a:pt x="1786875" y="387461"/>
-                  <a:pt x="1787086" y="420143"/>
-                </a:cubicBezTo>
-                <a:cubicBezTo>
-                  <a:pt x="1786808" y="452797"/>
-                  <a:pt x="1792847" y="485203"/>
-                  <a:pt x="1804887" y="515560"/>
-                </a:cubicBezTo>
-                <a:cubicBezTo>
-                  <a:pt x="1816362" y="544568"/>
-                  <a:pt x="1833435" y="571039"/>
-                  <a:pt x="1855131" y="593463"/>
-                </a:cubicBezTo>
-                <a:cubicBezTo>
-                  <a:pt x="1877315" y="615991"/>
-                  <a:pt x="1903854" y="633773"/>
-                  <a:pt x="1933130" y="645717"/>
-                </a:cubicBezTo>
-                <a:cubicBezTo>
-                  <a:pt x="1965277" y="658847"/>
-                  <a:pt x="1999749" y="665365"/>
-                  <a:pt x="2034480" y="664857"/>
-                </a:cubicBezTo>
-                <a:cubicBezTo>
-                  <a:pt x="2051151" y="664857"/>
-                  <a:pt x="2067775" y="663068"/>
-                  <a:pt x="2084054" y="659498"/>
-                </a:cubicBezTo>
-                <a:cubicBezTo>
-                  <a:pt x="2099137" y="656254"/>
-                  <a:pt x="2113885" y="651574"/>
-                  <a:pt x="2128078" y="645525"/>
-                </a:cubicBezTo>
-                <a:cubicBezTo>
-                  <a:pt x="2141247" y="639908"/>
-                  <a:pt x="2153870" y="633084"/>
-                  <a:pt x="2165785" y="625140"/>
-                </a:cubicBezTo>
-                <a:cubicBezTo>
-                  <a:pt x="2177002" y="617695"/>
-                  <a:pt x="2187539" y="609273"/>
-                  <a:pt x="2197272" y="599970"/>
-                </a:cubicBezTo>
-                <a:lnTo>
-                  <a:pt x="2203492" y="650693"/>
-                </a:lnTo>
-                <a:lnTo>
-                  <a:pt x="2296899" y="650693"/>
-                </a:lnTo>
-                <a:lnTo>
-                  <a:pt x="2296899" y="188541"/>
-                </a:lnTo>
-                <a:lnTo>
-                  <a:pt x="2203492" y="188541"/>
-                </a:lnTo>
-                <a:lnTo>
-                  <a:pt x="2196984" y="239551"/>
-                </a:lnTo>
-                <a:cubicBezTo>
-                  <a:pt x="2187414" y="230421"/>
-                  <a:pt x="2177107" y="222094"/>
-                  <a:pt x="2166168" y="214668"/>
-                </a:cubicBezTo>
-                <a:cubicBezTo>
-                  <a:pt x="2154320" y="206504"/>
-                  <a:pt x="2141696" y="199547"/>
-                  <a:pt x="2128461" y="193900"/>
-                </a:cubicBezTo>
-                <a:cubicBezTo>
-                  <a:pt x="2114182" y="187919"/>
-                  <a:pt x="2099386" y="183267"/>
-                  <a:pt x="2084246" y="180023"/>
-                </a:cubicBezTo>
-                <a:cubicBezTo>
-                  <a:pt x="2067871" y="176425"/>
-                  <a:pt x="2051151" y="174625"/>
-                  <a:pt x="2034384" y="174664"/>
-                </a:cubicBezTo>
-                <a:cubicBezTo>
-                  <a:pt x="2033169" y="174654"/>
-                  <a:pt x="2031963" y="174654"/>
-                  <a:pt x="2030747" y="174664"/>
-                </a:cubicBezTo>
-                <a:close/>
-                <a:moveTo>
-                  <a:pt x="846415" y="255437"/>
-                </a:moveTo>
-                <a:lnTo>
-                  <a:pt x="846415" y="651459"/>
-                </a:lnTo>
-                <a:lnTo>
-                  <a:pt x="952933" y="651459"/>
-                </a:lnTo>
-                <a:lnTo>
-                  <a:pt x="952933" y="255342"/>
-                </a:lnTo>
-                <a:close/>
-                <a:moveTo>
-                  <a:pt x="1111514" y="255437"/>
-                </a:moveTo>
-                <a:lnTo>
-                  <a:pt x="1111514" y="651459"/>
-                </a:lnTo>
-                <a:lnTo>
-                  <a:pt x="1218128" y="651459"/>
-                </a:lnTo>
-                <a:lnTo>
-                  <a:pt x="1218128" y="255342"/>
-                </a:lnTo>
-                <a:close/>
-                <a:moveTo>
-                  <a:pt x="2041753" y="269315"/>
-                </a:moveTo>
-                <a:cubicBezTo>
-                  <a:pt x="2042519" y="269305"/>
-                  <a:pt x="2043284" y="269305"/>
-                  <a:pt x="2044050" y="269315"/>
-                </a:cubicBezTo>
-                <a:cubicBezTo>
-                  <a:pt x="2083317" y="269104"/>
-                  <a:pt x="2121082" y="284417"/>
-                  <a:pt x="2149133" y="311903"/>
-                </a:cubicBezTo>
-                <a:cubicBezTo>
-                  <a:pt x="2162866" y="325387"/>
-                  <a:pt x="2173738" y="341494"/>
-                  <a:pt x="2181098" y="359276"/>
-                </a:cubicBezTo>
-                <a:cubicBezTo>
-                  <a:pt x="2188974" y="378426"/>
-                  <a:pt x="2192917" y="398964"/>
-                  <a:pt x="2192678" y="419665"/>
-                </a:cubicBezTo>
-                <a:cubicBezTo>
-                  <a:pt x="2192975" y="440653"/>
-                  <a:pt x="2189032" y="461487"/>
-                  <a:pt x="2181098" y="480915"/>
-                </a:cubicBezTo>
-                <a:cubicBezTo>
-                  <a:pt x="2173728" y="498706"/>
-                  <a:pt x="2162971" y="514890"/>
-                  <a:pt x="2149420" y="528576"/>
-                </a:cubicBezTo>
-                <a:cubicBezTo>
-                  <a:pt x="2136031" y="541964"/>
-                  <a:pt x="2120087" y="552511"/>
-                  <a:pt x="2102525" y="559584"/>
-                </a:cubicBezTo>
-                <a:cubicBezTo>
-                  <a:pt x="2065421" y="574245"/>
-                  <a:pt x="2024115" y="574245"/>
-                  <a:pt x="1987011" y="559584"/>
-                </a:cubicBezTo>
-                <a:cubicBezTo>
-                  <a:pt x="1969392" y="552473"/>
-                  <a:pt x="1953352" y="541926"/>
-                  <a:pt x="1939829" y="528576"/>
-                </a:cubicBezTo>
-                <a:cubicBezTo>
-                  <a:pt x="1926124" y="514900"/>
-                  <a:pt x="1915290" y="498639"/>
-                  <a:pt x="1907960" y="480724"/>
-                </a:cubicBezTo>
-                <a:cubicBezTo>
-                  <a:pt x="1900035" y="461353"/>
-                  <a:pt x="1896064" y="440595"/>
-                  <a:pt x="1896284" y="419665"/>
-                </a:cubicBezTo>
-                <a:cubicBezTo>
-                  <a:pt x="1895987" y="398782"/>
-                  <a:pt x="1899892" y="378043"/>
-                  <a:pt x="1907768" y="358702"/>
-                </a:cubicBezTo>
-                <a:cubicBezTo>
-                  <a:pt x="1915023" y="341006"/>
-                  <a:pt x="1925693" y="324909"/>
-                  <a:pt x="1939159" y="311328"/>
-                </a:cubicBezTo>
-                <a:cubicBezTo>
-                  <a:pt x="1952557" y="297987"/>
-                  <a:pt x="1968511" y="287470"/>
-                  <a:pt x="1986054" y="280416"/>
-                </a:cubicBezTo>
-                <a:cubicBezTo>
-                  <a:pt x="2003730" y="273267"/>
-                  <a:pt x="2022593" y="269506"/>
-                  <a:pt x="2041658" y="269315"/>
+                  <a:pt x="251809" y="8841"/>
+                  <a:pt x="296528" y="98"/>
+                  <a:pt x="341675" y="100"/>
                 </a:cubicBezTo>
                 <a:close/>
               </a:path>
             </a:pathLst>
           </a:custGeom>
           <a:solidFill>
-            <a:schemeClr val="tx2"/>
+            <a:srgbClr val="55C500"/>
           </a:solidFill>
           <a:ln w="95647" cap="flat">
             <a:noFill/>
@@ -6124,7 +5329,9 @@
           </a:ln>
         </p:spPr>
         <p:txBody>
-          <a:bodyPr rtlCol="0" anchor="ctr"/>
+          <a:bodyPr wrap="square" rtlCol="0" anchor="ctr">
+            <a:noAutofit/>
+          </a:bodyPr>
           <a:lstStyle/>
           <a:p>
             <a:endParaRPr lang="ja-JP" altLang="en-US" dirty="0"/>
@@ -6140,13 +5347,15 @@
               </a:ext>
             </a:extLst>
           </p:cNvPr>
-          <p:cNvSpPr/>
+          <p:cNvSpPr>
+            <a:spLocks/>
+          </p:cNvSpPr>
           <p:nvPr/>
         </p:nvSpPr>
         <p:spPr>
           <a:xfrm>
-            <a:off x="6692987" y="3666894"/>
-            <a:ext cx="1320649" cy="1188584"/>
+            <a:off x="6692986" y="3666894"/>
+            <a:ext cx="1080000" cy="1080000"/>
           </a:xfrm>
           <a:custGeom>
             <a:avLst/>
